--- a/SIVARATHRI NARAYANA SWAMI.pptx
+++ b/SIVARATHRI NARAYANA SWAMI.pptx
@@ -22,6 +22,7 @@
     <p:sldId id="314" r:id="rId19"/>
     <p:sldId id="315" r:id="rId20"/>
     <p:sldId id="316" r:id="rId21"/>
+    <p:sldId id="317" r:id="rId22"/>
   </p:sldIdLst>
   <p:sldSz cx="12192000" cy="6858000"/>
   <p:notesSz cx="6858000" cy="9144000"/>
@@ -372,7 +373,7 @@
           <a:p>
             <a:fld id="{9184DA70-C731-4C70-880D-CCD4705E623C}" type="datetime1">
               <a:rPr lang="en-US" smtClean="0"/>
-              <a:t>6/11/2024</a:t>
+              <a:t>6/20/2024</a:t>
             </a:fld>
             <a:endParaRPr lang="en-US" dirty="0"/>
           </a:p>
@@ -560,7 +561,7 @@
           <a:p>
             <a:fld id="{4BE1D723-8F53-4F53-90B0-1982A396982E}" type="datetime1">
               <a:rPr lang="en-US" smtClean="0"/>
-              <a:t>6/11/2024</a:t>
+              <a:t>6/20/2024</a:t>
             </a:fld>
             <a:endParaRPr lang="en-US" dirty="0"/>
           </a:p>
@@ -933,7 +934,7 @@
           <a:p>
             <a:fld id="{97669AF7-7BEB-44E4-9852-375E34362B5B}" type="datetime1">
               <a:rPr lang="en-US" smtClean="0"/>
-              <a:t>6/11/2024</a:t>
+              <a:t>6/20/2024</a:t>
             </a:fld>
             <a:endParaRPr lang="en-US" dirty="0"/>
           </a:p>
@@ -1188,7 +1189,7 @@
           <a:p>
             <a:fld id="{BAAAC38D-0552-4C82-B593-E6124DFADBE2}" type="datetime1">
               <a:rPr lang="en-US" smtClean="0"/>
-              <a:t>6/11/2024</a:t>
+              <a:t>6/20/2024</a:t>
             </a:fld>
             <a:endParaRPr lang="en-US" dirty="0"/>
           </a:p>
@@ -1585,7 +1586,7 @@
           <a:p>
             <a:fld id="{D9DF0F1C-5577-4ACB-BB62-DF8F3C494C7E}" type="datetime1">
               <a:rPr lang="en-US" smtClean="0"/>
-              <a:t>6/11/2024</a:t>
+              <a:t>6/20/2024</a:t>
             </a:fld>
             <a:endParaRPr lang="en-US" dirty="0"/>
           </a:p>
@@ -1721,7 +1722,7 @@
           <a:p>
             <a:fld id="{1775B394-D9F9-4F0C-B15D-605F45CB9E9F}" type="datetime1">
               <a:rPr lang="en-US" smtClean="0"/>
-              <a:t>6/11/2024</a:t>
+              <a:t>6/20/2024</a:t>
             </a:fld>
             <a:endParaRPr lang="en-US" dirty="0"/>
           </a:p>
@@ -1878,7 +1879,7 @@
           <a:p>
             <a:fld id="{39667345-2558-425A-8533-9BFDBCE15005}" type="datetime1">
               <a:rPr lang="en-US" smtClean="0"/>
-              <a:t>6/11/2024</a:t>
+              <a:t>6/20/2024</a:t>
             </a:fld>
             <a:endParaRPr lang="en-US" dirty="0"/>
           </a:p>
@@ -2207,7 +2208,7 @@
           <a:p>
             <a:fld id="{92BEA474-078D-4E9B-9B14-09A87B19DC46}" type="datetime1">
               <a:rPr lang="en-US" smtClean="0"/>
-              <a:t>6/11/2024</a:t>
+              <a:t>6/20/2024</a:t>
             </a:fld>
             <a:endParaRPr lang="en-US" dirty="0"/>
           </a:p>
@@ -2557,7 +2558,7 @@
           <a:p>
             <a:fld id="{4907D986-8816-4272-A432-0437A28A9828}" type="datetime1">
               <a:rPr lang="en-US" smtClean="0"/>
-              <a:t>6/11/2024</a:t>
+              <a:t>6/20/2024</a:t>
             </a:fld>
             <a:endParaRPr lang="en-US" dirty="0"/>
           </a:p>
@@ -2818,7 +2819,7 @@
           <a:p>
             <a:fld id="{62D6E202-B606-4609-B914-27C9371A1F6D}" type="datetime1">
               <a:rPr lang="en-US" smtClean="0"/>
-              <a:t>6/11/2024</a:t>
+              <a:t>6/20/2024</a:t>
             </a:fld>
             <a:endParaRPr lang="en-US" dirty="0"/>
           </a:p>
@@ -5605,6 +5606,107 @@
 </p:sld>
 </file>
 
+<file path=ppt/slides/slide18.xml><?xml version="1.0" encoding="utf-8"?>
+<p:sld xmlns:a="http://schemas.openxmlformats.org/drawingml/2006/main" xmlns:r="http://schemas.openxmlformats.org/officeDocument/2006/relationships" xmlns:p="http://schemas.openxmlformats.org/presentationml/2006/main">
+  <p:cSld>
+    <p:spTree>
+      <p:nvGrpSpPr>
+        <p:cNvPr id="1" name=""/>
+        <p:cNvGrpSpPr/>
+        <p:nvPr/>
+      </p:nvGrpSpPr>
+      <p:grpSpPr>
+        <a:xfrm>
+          <a:off x="0" y="0"/>
+          <a:ext cx="0" cy="0"/>
+          <a:chOff x="0" y="0"/>
+          <a:chExt cx="0" cy="0"/>
+        </a:xfrm>
+      </p:grpSpPr>
+      <p:sp>
+        <p:nvSpPr>
+          <p:cNvPr id="2" name="Title 1">
+            <a:extLst>
+              <a:ext uri="{FF2B5EF4-FFF2-40B4-BE49-F238E27FC236}">
+                <a16:creationId xmlns:a16="http://schemas.microsoft.com/office/drawing/2014/main" id="{D9092647-D894-1CCA-C96C-F986D5D03222}"/>
+              </a:ext>
+            </a:extLst>
+          </p:cNvPr>
+          <p:cNvSpPr>
+            <a:spLocks noGrp="1"/>
+          </p:cNvSpPr>
+          <p:nvPr>
+            <p:ph type="title"/>
+          </p:nvPr>
+        </p:nvSpPr>
+        <p:spPr/>
+        <p:txBody>
+          <a:bodyPr/>
+          <a:lstStyle/>
+          <a:p>
+            <a:r>
+              <a:rPr lang="en-IN" dirty="0" err="1"/>
+              <a:t>Github</a:t>
+            </a:r>
+            <a:r>
+              <a:rPr lang="en-IN" dirty="0"/>
+              <a:t> link</a:t>
+            </a:r>
+            <a:br>
+              <a:rPr lang="en-IN" dirty="0"/>
+            </a:br>
+            <a:endParaRPr lang="en-IN" dirty="0"/>
+          </a:p>
+        </p:txBody>
+      </p:sp>
+      <p:sp>
+        <p:nvSpPr>
+          <p:cNvPr id="3" name="Content Placeholder 2">
+            <a:extLst>
+              <a:ext uri="{FF2B5EF4-FFF2-40B4-BE49-F238E27FC236}">
+                <a16:creationId xmlns:a16="http://schemas.microsoft.com/office/drawing/2014/main" id="{FF288CFA-89AE-D09D-939A-AF6566A686B0}"/>
+              </a:ext>
+            </a:extLst>
+          </p:cNvPr>
+          <p:cNvSpPr>
+            <a:spLocks noGrp="1"/>
+          </p:cNvSpPr>
+          <p:nvPr>
+            <p:ph idx="1"/>
+          </p:nvPr>
+        </p:nvSpPr>
+        <p:spPr>
+          <a:xfrm>
+            <a:off x="1097280" y="2108201"/>
+            <a:ext cx="10058400" cy="977899"/>
+          </a:xfrm>
+        </p:spPr>
+        <p:txBody>
+          <a:bodyPr>
+            <a:normAutofit/>
+          </a:bodyPr>
+          <a:lstStyle/>
+          <a:p>
+            <a:r>
+              <a:rPr lang="en-IN" sz="3600" dirty="0"/>
+              <a:t>https://github.com/swamisivarathri/key-project.git</a:t>
+            </a:r>
+          </a:p>
+        </p:txBody>
+      </p:sp>
+    </p:spTree>
+    <p:extLst>
+      <p:ext uri="{BB962C8B-B14F-4D97-AF65-F5344CB8AC3E}">
+        <p14:creationId xmlns:p14="http://schemas.microsoft.com/office/powerpoint/2010/main" val="4019329044"/>
+      </p:ext>
+    </p:extLst>
+  </p:cSld>
+  <p:clrMapOvr>
+    <a:masterClrMapping/>
+  </p:clrMapOvr>
+</p:sld>
+</file>
+
 <file path=ppt/slides/slide2.xml><?xml version="1.0" encoding="utf-8"?>
 <p:sld xmlns:a="http://schemas.openxmlformats.org/drawingml/2006/main" xmlns:r="http://schemas.openxmlformats.org/officeDocument/2006/relationships" xmlns:p="http://schemas.openxmlformats.org/presentationml/2006/main">
   <p:cSld>
@@ -8632,6 +8734,35 @@
 </file>
 
 <file path=customXml/item1.xml><?xml version="1.0" encoding="utf-8"?>
+<p:properties xmlns:p="http://schemas.microsoft.com/office/2006/metadata/properties" xmlns:xsi="http://www.w3.org/2001/XMLSchema-instance" xmlns:pc="http://schemas.microsoft.com/office/infopath/2007/PartnerControls">
+  <documentManagement>
+    <Status xmlns="71af3243-3dd4-4a8d-8c0d-dd76da1f02a5">Not started</Status>
+    <MediaServiceKeyPoints xmlns="71af3243-3dd4-4a8d-8c0d-dd76da1f02a5" xsi:nil="true"/>
+    <_ip_UnifiedCompliancePolicyUIAction xmlns="http://schemas.microsoft.com/sharepoint/v3" xsi:nil="true"/>
+    <Image xmlns="71af3243-3dd4-4a8d-8c0d-dd76da1f02a5">
+      <Url xsi:nil="true"/>
+      <Description xsi:nil="true"/>
+    </Image>
+    <Background xmlns="71af3243-3dd4-4a8d-8c0d-dd76da1f02a5">false</Background>
+    <_ip_UnifiedCompliancePolicyProperties xmlns="http://schemas.microsoft.com/sharepoint/v3" xsi:nil="true"/>
+    <ImageTagsTaxHTField xmlns="71af3243-3dd4-4a8d-8c0d-dd76da1f02a5">
+      <Terms xmlns="http://schemas.microsoft.com/office/infopath/2007/PartnerControls"/>
+    </ImageTagsTaxHTField>
+    <TaxCatchAll xmlns="230e9df3-be65-4c73-a93b-d1236ebd677e" xsi:nil="true"/>
+  </documentManagement>
+</p:properties>
+</file>
+
+<file path=customXml/item2.xml><?xml version="1.0" encoding="utf-8"?>
+<?mso-contentType ?>
+<FormTemplates xmlns="http://schemas.microsoft.com/sharepoint/v3/contenttype/forms">
+  <Display>DocumentLibraryForm</Display>
+  <Edit>DocumentLibraryForm</Edit>
+  <New>DocumentLibraryForm</New>
+</FormTemplates>
+</file>
+
+<file path=customXml/item3.xml><?xml version="1.0" encoding="utf-8"?>
 <ct:contentTypeSchema xmlns:ct="http://schemas.microsoft.com/office/2006/metadata/contentType" xmlns:ma="http://schemas.microsoft.com/office/2006/metadata/properties/metaAttributes" ct:_="" ma:_="" ma:contentTypeName="Document" ma:contentTypeID="0x01010079F111ED35F8CC479449609E8A0923A6" ma:contentTypeVersion="27" ma:contentTypeDescription="Create a new document." ma:contentTypeScope="" ma:versionID="c6f9a84f66a9c8b9a21755b9ffafb945">
   <xsd:schema xmlns:xsd="http://www.w3.org/2001/XMLSchema" xmlns:xs="http://www.w3.org/2001/XMLSchema" xmlns:p="http://schemas.microsoft.com/office/2006/metadata/properties" xmlns:ns1="http://schemas.microsoft.com/sharepoint/v3" xmlns:ns2="71af3243-3dd4-4a8d-8c0d-dd76da1f02a5" xmlns:ns3="16c05727-aa75-4e4a-9b5f-8a80a1165891" xmlns:ns4="230e9df3-be65-4c73-a93b-d1236ebd677e" targetNamespace="http://schemas.microsoft.com/office/2006/metadata/properties" ma:root="true" ma:fieldsID="27df39e3e7036dff54f89ddd5805ce72" ns1:_="" ns2:_="" ns3:_="" ns4:_="">
     <xsd:import namespace="http://schemas.microsoft.com/sharepoint/v3"/>
@@ -8937,36 +9068,27 @@
 </ct:contentTypeSchema>
 </file>
 
-<file path=customXml/item2.xml><?xml version="1.0" encoding="utf-8"?>
-<?mso-contentType ?>
-<FormTemplates xmlns="http://schemas.microsoft.com/sharepoint/v3/contenttype/forms">
-  <Display>DocumentLibraryForm</Display>
-  <Edit>DocumentLibraryForm</Edit>
-  <New>DocumentLibraryForm</New>
-</FormTemplates>
+<file path=customXml/itemProps1.xml><?xml version="1.0" encoding="utf-8"?>
+<ds:datastoreItem xmlns:ds="http://schemas.openxmlformats.org/officeDocument/2006/customXml" ds:itemID="{A03EEFF0-FB57-4CB4-8BFC-DF397689E2ED}">
+  <ds:schemaRefs>
+    <ds:schemaRef ds:uri="http://schemas.microsoft.com/office/2006/metadata/properties"/>
+    <ds:schemaRef ds:uri="http://schemas.microsoft.com/office/infopath/2007/PartnerControls"/>
+    <ds:schemaRef ds:uri="71af3243-3dd4-4a8d-8c0d-dd76da1f02a5"/>
+    <ds:schemaRef ds:uri="http://schemas.microsoft.com/sharepoint/v3"/>
+    <ds:schemaRef ds:uri="230e9df3-be65-4c73-a93b-d1236ebd677e"/>
+  </ds:schemaRefs>
+</ds:datastoreItem>
 </file>
 
-<file path=customXml/item3.xml><?xml version="1.0" encoding="utf-8"?>
-<p:properties xmlns:p="http://schemas.microsoft.com/office/2006/metadata/properties" xmlns:xsi="http://www.w3.org/2001/XMLSchema-instance" xmlns:pc="http://schemas.microsoft.com/office/infopath/2007/PartnerControls">
-  <documentManagement>
-    <Status xmlns="71af3243-3dd4-4a8d-8c0d-dd76da1f02a5">Not started</Status>
-    <MediaServiceKeyPoints xmlns="71af3243-3dd4-4a8d-8c0d-dd76da1f02a5" xsi:nil="true"/>
-    <_ip_UnifiedCompliancePolicyUIAction xmlns="http://schemas.microsoft.com/sharepoint/v3" xsi:nil="true"/>
-    <Image xmlns="71af3243-3dd4-4a8d-8c0d-dd76da1f02a5">
-      <Url xsi:nil="true"/>
-      <Description xsi:nil="true"/>
-    </Image>
-    <Background xmlns="71af3243-3dd4-4a8d-8c0d-dd76da1f02a5">false</Background>
-    <_ip_UnifiedCompliancePolicyProperties xmlns="http://schemas.microsoft.com/sharepoint/v3" xsi:nil="true"/>
-    <ImageTagsTaxHTField xmlns="71af3243-3dd4-4a8d-8c0d-dd76da1f02a5">
-      <Terms xmlns="http://schemas.microsoft.com/office/infopath/2007/PartnerControls"/>
-    </ImageTagsTaxHTField>
-    <TaxCatchAll xmlns="230e9df3-be65-4c73-a93b-d1236ebd677e" xsi:nil="true"/>
-  </documentManagement>
-</p:properties>
+<file path=customXml/itemProps2.xml><?xml version="1.0" encoding="utf-8"?>
+<ds:datastoreItem xmlns:ds="http://schemas.openxmlformats.org/officeDocument/2006/customXml" ds:itemID="{AA3F7EDC-E5B4-4BBC-9D2A-CBE6D46C37AD}">
+  <ds:schemaRefs>
+    <ds:schemaRef ds:uri="http://schemas.microsoft.com/sharepoint/v3/contenttype/forms"/>
+  </ds:schemaRefs>
+</ds:datastoreItem>
 </file>
 
-<file path=customXml/itemProps1.xml><?xml version="1.0" encoding="utf-8"?>
+<file path=customXml/itemProps3.xml><?xml version="1.0" encoding="utf-8"?>
 <ds:datastoreItem xmlns:ds="http://schemas.openxmlformats.org/officeDocument/2006/customXml" ds:itemID="{D2957789-34B8-480C-AF9B-3EB54B9E5C96}">
   <ds:schemaRefs>
     <ds:schemaRef ds:uri="http://schemas.microsoft.com/office/2006/metadata/contentType"/>
@@ -8985,24 +9107,4 @@
     <ds:schemaRef ds:uri="http://schemas.microsoft.com/internal/obd"/>
   </ds:schemaRefs>
 </ds:datastoreItem>
-</file>
-
-<file path=customXml/itemProps2.xml><?xml version="1.0" encoding="utf-8"?>
-<ds:datastoreItem xmlns:ds="http://schemas.openxmlformats.org/officeDocument/2006/customXml" ds:itemID="{AA3F7EDC-E5B4-4BBC-9D2A-CBE6D46C37AD}">
-  <ds:schemaRefs>
-    <ds:schemaRef ds:uri="http://schemas.microsoft.com/sharepoint/v3/contenttype/forms"/>
-  </ds:schemaRefs>
-</ds:datastoreItem>
-</file>
-
-<file path=customXml/itemProps3.xml><?xml version="1.0" encoding="utf-8"?>
-<ds:datastoreItem xmlns:ds="http://schemas.openxmlformats.org/officeDocument/2006/customXml" ds:itemID="{A03EEFF0-FB57-4CB4-8BFC-DF397689E2ED}">
-  <ds:schemaRefs>
-    <ds:schemaRef ds:uri="http://schemas.microsoft.com/office/2006/metadata/properties"/>
-    <ds:schemaRef ds:uri="http://schemas.microsoft.com/office/infopath/2007/PartnerControls"/>
-    <ds:schemaRef ds:uri="71af3243-3dd4-4a8d-8c0d-dd76da1f02a5"/>
-    <ds:schemaRef ds:uri="http://schemas.microsoft.com/sharepoint/v3"/>
-    <ds:schemaRef ds:uri="230e9df3-be65-4c73-a93b-d1236ebd677e"/>
-  </ds:schemaRefs>
-</ds:datastoreItem>
 </file>